--- a/콘솔프로젝트_박석진/개발문서/발표자료_박석진.pptx
+++ b/콘솔프로젝트_박석진/개발문서/발표자료_박석진.pptx
@@ -2,7 +2,7 @@
 <file path=ppt/presentation.xml><?xml version="1.0" encoding="utf-8"?>
 <p:presentation xmlns:r="http://schemas.openxmlformats.org/officeDocument/2006/relationships" xmlns:c="http://schemas.openxmlformats.org/drawingml/2006/chart" xmlns:a="http://schemas.openxmlformats.org/drawingml/2006/main" xmlns:dgm="http://schemas.openxmlformats.org/drawingml/2006/diagram" xmlns:dsp="http://schemas.microsoft.com/office/drawing/2008/diagram" xmlns:p="http://schemas.openxmlformats.org/presentationml/2006/main" embedTrueTypeFonts="1" saveSubsetFonts="1">
   <p:sldMasterIdLst>
-    <p:sldMasterId id="2147483662" r:id="rId1"/>
+    <p:sldMasterId id="2147483659" r:id="rId1"/>
   </p:sldMasterIdLst>
   <p:notesMasterIdLst>
     <p:notesMasterId r:id="rId2"/>
@@ -1866,7 +1866,7 @@
 </file>
 
 <file path=ppt/slides/slide12.xml><?xml version="1.0" encoding="utf-8"?>
-<p:sld xmlns:a="http://schemas.openxmlformats.org/drawingml/2006/main" xmlns:r="http://schemas.openxmlformats.org/officeDocument/2006/relationships" xmlns:p="http://schemas.openxmlformats.org/presentationml/2006/main">
+<p:sld xmlns:r="http://schemas.openxmlformats.org/officeDocument/2006/relationships" xmlns:c="http://schemas.openxmlformats.org/drawingml/2006/chart" xmlns:a="http://schemas.openxmlformats.org/drawingml/2006/main" xmlns:dgm="http://schemas.openxmlformats.org/drawingml/2006/diagram" xmlns:dsp="http://schemas.microsoft.com/office/drawing/2008/diagram" xmlns:p="http://schemas.openxmlformats.org/presentationml/2006/main">
   <p:cSld>
     <p:spTree>
       <p:nvGrpSpPr>
@@ -1890,8 +1890,8 @@
         </p:nvSpPr>
         <p:spPr>
           <a:xfrm>
-            <a:off x="3991968" y="2447473"/>
-            <a:ext cx="4208075" cy="1200329"/>
+            <a:off x="4004310" y="2447473"/>
+            <a:ext cx="4173855" cy="1179647"/>
           </a:xfrm>
           <a:prstGeom prst="rect">
             <a:avLst/>
@@ -1899,26 +1899,28 @@
           <a:noFill/>
         </p:spPr>
         <p:txBody>
-          <a:bodyPr wrap="none" rtlCol="0">
+          <a:bodyPr wrap="none">
             <a:spAutoFit/>
           </a:bodyPr>
           <a:lstStyle/>
           <a:p>
-            <a:pPr algn="ctr"/>
-            <a:r>
-              <a:rPr lang="en-US" altLang="ko-KR" sz="7200" spc="-300" dirty="0" smtClean="0">
+            <a:pPr algn="ctr">
+              <a:defRPr/>
+            </a:pPr>
+            <a:r>
+              <a:rPr lang="en-US" altLang="ko-KR" sz="7200" b="0" spc="-300">
                 <a:solidFill>
-                  <a:srgbClr val="00002F"/>
+                  <a:srgbClr val="00002f"/>
                 </a:solidFill>
-                <a:ea typeface="나눔스퀘어 ExtraBold" panose="020B0600000101010101" pitchFamily="50" charset="-127"/>
+                <a:ea typeface="나눔스퀘어 ExtraBold"/>
               </a:rPr>
               <a:t>Thank you</a:t>
             </a:r>
-            <a:endParaRPr lang="ko-KR" altLang="en-US" sz="7200" spc="-300" dirty="0">
+            <a:endParaRPr lang="ko-KR" altLang="en-US" sz="7200" b="0" spc="-300">
               <a:solidFill>
-                <a:srgbClr val="00002F"/>
+                <a:srgbClr val="00002f"/>
               </a:solidFill>
-              <a:ea typeface="나눔스퀘어 ExtraBold" panose="020B0600000101010101" pitchFamily="50" charset="-127"/>
+              <a:ea typeface="나눔스퀘어 ExtraBold"/>
             </a:endParaRPr>
           </a:p>
         </p:txBody>
@@ -1938,11 +1940,11 @@
             <a:avLst/>
           </a:prstGeom>
           <a:solidFill>
-            <a:srgbClr val="8DBABD"/>
+            <a:srgbClr val="8dbabd"/>
           </a:solidFill>
           <a:ln>
             <a:solidFill>
-              <a:srgbClr val="8DBABD"/>
+              <a:srgbClr val="8dbabd"/>
             </a:solidFill>
           </a:ln>
         </p:spPr>
@@ -1963,32 +1965,31 @@
           </a:fontRef>
         </p:style>
         <p:txBody>
-          <a:bodyPr rtlCol="0" anchor="ctr"/>
+          <a:bodyPr anchor="ctr"/>
           <a:lstStyle/>
           <a:p>
-            <a:pPr algn="ctr"/>
-            <a:r>
-              <a:rPr lang="ko-KR" altLang="en-US" dirty="0" err="1" smtClean="0">
-                <a:latin typeface="+mn-ea"/>
-              </a:rPr>
-              <a:t>나눔스퀘어</a:t>
-            </a:r>
-            <a:endParaRPr lang="ko-KR" altLang="en-US" dirty="0">
+            <a:pPr algn="ctr">
+              <a:defRPr/>
+            </a:pPr>
+            <a:endParaRPr lang="ko-KR" altLang="en-US">
               <a:latin typeface="+mn-ea"/>
             </a:endParaRPr>
           </a:p>
         </p:txBody>
       </p:sp>
     </p:spTree>
-    <p:extLst>
-      <p:ext uri="{BB962C8B-B14F-4D97-AF65-F5344CB8AC3E}">
-        <p14:creationId xmlns:p14="http://schemas.microsoft.com/office/powerpoint/2010/main" val="4116967652"/>
-      </p:ext>
-    </p:extLst>
   </p:cSld>
   <p:clrMapOvr>
     <a:masterClrMapping/>
   </p:clrMapOvr>
+  <mc:AlternateContent xmlns:mc="http://schemas.openxmlformats.org/markup-compatibility/2006">
+    <mc:Choice xmlns:p14="http://schemas.microsoft.com/office/powerpoint/2010/main" Requires="p14">
+      <p:transition xmlns:mc="http://schemas.openxmlformats.org/markup-compatibility/2006" xmlns:p14="http://schemas.microsoft.com/office/powerpoint/2010/main" mc:Ignorable="p14" p14:dur="500"/>
+    </mc:Choice>
+    <mc:Fallback>
+      <p:transition/>
+    </mc:Fallback>
+  </mc:AlternateContent>
   <p:timing>
     <p:tnLst>
       <p:par>
